--- a/IV2 presentation.pptx
+++ b/IV2 presentation.pptx
@@ -527,7 +527,7 @@
           <a:p>
             <a:fld id="{9232FC57-E1F8-4F59-A87C-2833007EAF57}" type="datetimeFigureOut">
               <a:rPr lang="en-US" smtClean="0"/>
-              <a:t>8/3/2022</a:t>
+              <a:t>8/4/2022</a:t>
             </a:fld>
             <a:endParaRPr lang="en-US"/>
           </a:p>
@@ -704,7 +704,7 @@
           <a:p>
             <a:fld id="{C98ACAC0-59EA-4916-9995-398D6BEB88C3}" type="datetimeFigureOut">
               <a:rPr lang="en-US" smtClean="0"/>
-              <a:t>8/3/2022</a:t>
+              <a:t>8/4/2022</a:t>
             </a:fld>
             <a:endParaRPr lang="en-US"/>
           </a:p>
@@ -1912,7 +1912,7 @@
           <a:p>
             <a:fld id="{E199D1A0-04AB-4DD4-B9DB-BDEC5E64C94C}" type="datetime1">
               <a:rPr lang="en-US" smtClean="0"/>
-              <a:t>8/3/2022</a:t>
+              <a:t>8/4/2022</a:t>
             </a:fld>
             <a:endParaRPr lang="en-US" dirty="0"/>
           </a:p>
@@ -2146,7 +2146,7 @@
           <a:p>
             <a:fld id="{CF53EA80-260A-4EE9-83BB-E6DD04DEA906}" type="datetime1">
               <a:rPr lang="en-US" smtClean="0"/>
-              <a:t>8/3/2022</a:t>
+              <a:t>8/4/2022</a:t>
             </a:fld>
             <a:endParaRPr lang="en-US" dirty="0"/>
           </a:p>
@@ -2636,7 +2636,7 @@
           <a:p>
             <a:fld id="{8CD80274-DEF2-4F5D-8F74-69D0554CED55}" type="datetime1">
               <a:rPr lang="en-US" smtClean="0"/>
-              <a:t>8/3/2022</a:t>
+              <a:t>8/4/2022</a:t>
             </a:fld>
             <a:endParaRPr lang="en-US" dirty="0"/>
           </a:p>
@@ -2872,7 +2872,7 @@
           <a:p>
             <a:fld id="{C09D4DA8-2D4A-4F06-BECA-044AF4113FB4}" type="datetime1">
               <a:rPr lang="en-US" smtClean="0"/>
-              <a:t>8/3/2022</a:t>
+              <a:t>8/4/2022</a:t>
             </a:fld>
             <a:endParaRPr lang="en-US" dirty="0"/>
           </a:p>
@@ -3346,7 +3346,7 @@
           <a:p>
             <a:fld id="{C7C81873-7D47-483D-BCB4-50DD9806C720}" type="datetime1">
               <a:rPr lang="en-US" smtClean="0"/>
-              <a:t>8/3/2022</a:t>
+              <a:t>8/4/2022</a:t>
             </a:fld>
             <a:endParaRPr lang="en-US" dirty="0"/>
           </a:p>
@@ -3675,7 +3675,7 @@
           <a:p>
             <a:fld id="{90EA6C54-2562-43EA-9A1B-F808D04718E7}" type="datetime1">
               <a:rPr lang="en-US" smtClean="0"/>
-              <a:t>8/3/2022</a:t>
+              <a:t>8/4/2022</a:t>
             </a:fld>
             <a:endParaRPr lang="en-US" dirty="0"/>
           </a:p>
@@ -3810,7 +3810,7 @@
           <a:p>
             <a:fld id="{90EA6C54-2562-43EA-9A1B-F808D04718E7}" type="datetime1">
               <a:rPr lang="en-US" smtClean="0"/>
-              <a:t>8/3/2022</a:t>
+              <a:t>8/4/2022</a:t>
             </a:fld>
             <a:endParaRPr lang="en-US" dirty="0"/>
           </a:p>
@@ -4056,7 +4056,7 @@
           <a:p>
             <a:fld id="{C5DB74C9-B808-4394-A017-79C83B2524EF}" type="datetime1">
               <a:rPr lang="en-US" smtClean="0"/>
-              <a:t>8/3/2022</a:t>
+              <a:t>8/4/2022</a:t>
             </a:fld>
             <a:endParaRPr lang="en-US" dirty="0"/>
           </a:p>
@@ -4515,7 +4515,7 @@
           <a:p>
             <a:fld id="{AAD2DF6D-B715-4785-8DEA-9165C638CF44}" type="datetime1">
               <a:rPr lang="en-US" smtClean="0"/>
-              <a:t>8/3/2022</a:t>
+              <a:t>8/4/2022</a:t>
             </a:fld>
             <a:endParaRPr lang="en-US" dirty="0"/>
           </a:p>
@@ -5149,7 +5149,7 @@
           <a:p>
             <a:fld id="{137AE72A-09B6-4D56-855D-4360BD347914}" type="datetime1">
               <a:rPr lang="en-US" smtClean="0"/>
-              <a:t>8/3/2022</a:t>
+              <a:t>8/4/2022</a:t>
             </a:fld>
             <a:endParaRPr lang="en-US" dirty="0"/>
           </a:p>
@@ -5481,7 +5481,7 @@
           <a:p>
             <a:fld id="{1E5577C8-AB8C-4B8A-A01F-113B16C4DCA3}" type="datetime1">
               <a:rPr lang="en-US" smtClean="0"/>
-              <a:t>8/3/2022</a:t>
+              <a:t>8/4/2022</a:t>
             </a:fld>
             <a:endParaRPr lang="en-US" dirty="0"/>
           </a:p>
@@ -6224,7 +6224,7 @@
             <a:fld id="{27AB0102-8ACA-4214-A839-9665520705F6}" type="datetime1">
               <a:rPr lang="en-US" smtClean="0"/>
               <a:pPr/>
-              <a:t>8/3/2022</a:t>
+              <a:t>8/4/2022</a:t>
             </a:fld>
             <a:endParaRPr lang="en-US" dirty="0"/>
           </a:p>
@@ -6393,7 +6393,7 @@
             <a:fld id="{5AF05980-54E0-4F3D-BAF3-4CE06FA77025}" type="datetime1">
               <a:rPr lang="en-US" smtClean="0"/>
               <a:pPr/>
-              <a:t>8/3/2022</a:t>
+              <a:t>8/4/2022</a:t>
             </a:fld>
             <a:endParaRPr lang="en-US" dirty="0"/>
           </a:p>
@@ -6547,7 +6547,7 @@
             <a:fld id="{9FEF76E7-2EBE-4103-B764-AD23619BE076}" type="datetime1">
               <a:rPr lang="en-US" smtClean="0"/>
               <a:pPr/>
-              <a:t>8/3/2022</a:t>
+              <a:t>8/4/2022</a:t>
             </a:fld>
             <a:endParaRPr lang="en-US" dirty="0"/>
           </a:p>
@@ -7467,13 +7467,21 @@
             </a:lvl1pPr>
           </a:lstStyle>
           <a:p>
-            <a:r>
-              <a:rPr lang="en-US" sz="2300" dirty="0"/>
-              <a:t>1</a:t>
-            </a:r>
+            <a:pPr marL="457200" indent="-457200">
+              <a:buAutoNum type="arabicPeriod"/>
+            </a:pPr>
             <a:r>
               <a:rPr lang="en-SG" sz="2300" dirty="0"/>
-              <a:t>. </a:t>
+              <a:t>Quantitative Data (Number of New Cases &amp; New Deaths in a day)</a:t>
+            </a:r>
+          </a:p>
+          <a:p>
+            <a:pPr marL="457200" indent="-457200">
+              <a:buAutoNum type="arabicPeriod"/>
+            </a:pPr>
+            <a:r>
+              <a:rPr lang="en-SG" sz="2300" dirty="0"/>
+              <a:t>Categorical Data (New Cases &amp; New Deaths) </a:t>
             </a:r>
           </a:p>
         </p:txBody>
@@ -7560,7 +7568,7 @@
             <a:fld id="{27AB0102-8ACA-4214-A839-9665520705F6}" type="datetime1">
               <a:rPr lang="en-US" smtClean="0"/>
               <a:pPr/>
-              <a:t>8/3/2022</a:t>
+              <a:t>8/4/2022</a:t>
             </a:fld>
             <a:endParaRPr lang="en-US" dirty="0"/>
           </a:p>
@@ -7729,7 +7737,7 @@
             <a:fld id="{27AB0102-8ACA-4214-A839-9665520705F6}" type="datetime1">
               <a:rPr lang="en-US" smtClean="0"/>
               <a:pPr/>
-              <a:t>8/3/2022</a:t>
+              <a:t>8/4/2022</a:t>
             </a:fld>
             <a:endParaRPr lang="en-US" dirty="0"/>
           </a:p>
@@ -7898,7 +7906,7 @@
             <a:fld id="{27AB0102-8ACA-4214-A839-9665520705F6}" type="datetime1">
               <a:rPr lang="en-US" smtClean="0"/>
               <a:pPr/>
-              <a:t>8/3/2022</a:t>
+              <a:t>8/4/2022</a:t>
             </a:fld>
             <a:endParaRPr lang="en-US" dirty="0"/>
           </a:p>
@@ -7962,8 +7970,16 @@
           <a:p>
             <a:r>
               <a:rPr lang="en-US" dirty="0"/>
-              <a:t>Creation of Pie chart</a:t>
-            </a:r>
+              <a:t>Creation of Pie Chart</a:t>
+            </a:r>
+          </a:p>
+          <a:p>
+            <a:r>
+              <a:rPr lang="en-US" dirty="0"/>
+              <a:t>Tooltip for Pie Chart</a:t>
+            </a:r>
+          </a:p>
+          <a:p>
             <a:endParaRPr lang="en-SG" dirty="0"/>
           </a:p>
         </p:txBody>
@@ -8773,21 +8789,21 @@
 </file>
 
 <file path=customXml/item1.xml><?xml version="1.0" encoding="utf-8"?>
+<p:properties xmlns:p="http://schemas.microsoft.com/office/2006/metadata/properties" xmlns:xsi="http://www.w3.org/2001/XMLSchema-instance" xmlns:pc="http://schemas.microsoft.com/office/infopath/2007/PartnerControls">
+  <documentManagement>
+    <Status xmlns="71af3243-3dd4-4a8d-8c0d-dd76da1f02a5">Not started</Status>
+    <MediaServiceKeyPoints xmlns="71af3243-3dd4-4a8d-8c0d-dd76da1f02a5" xsi:nil="true"/>
+  </documentManagement>
+</p:properties>
+</file>
+
+<file path=customXml/item2.xml><?xml version="1.0" encoding="utf-8"?>
 <?mso-contentType ?>
 <FormTemplates xmlns="http://schemas.microsoft.com/sharepoint/v3/contenttype/forms">
   <Display>DocumentLibraryForm</Display>
   <Edit>DocumentLibraryForm</Edit>
   <New>DocumentLibraryForm</New>
 </FormTemplates>
-</file>
-
-<file path=customXml/item2.xml><?xml version="1.0" encoding="utf-8"?>
-<p:properties xmlns:p="http://schemas.microsoft.com/office/2006/metadata/properties" xmlns:xsi="http://www.w3.org/2001/XMLSchema-instance" xmlns:pc="http://schemas.microsoft.com/office/infopath/2007/PartnerControls">
-  <documentManagement>
-    <Status xmlns="71af3243-3dd4-4a8d-8c0d-dd76da1f02a5">Not started</Status>
-    <MediaServiceKeyPoints xmlns="71af3243-3dd4-4a8d-8c0d-dd76da1f02a5" xsi:nil="true"/>
-  </documentManagement>
-</p:properties>
 </file>
 
 <file path=customXml/item3.xml><?xml version="1.0" encoding="utf-8"?>
@@ -9012,19 +9028,19 @@
 </file>
 
 <file path=customXml/itemProps1.xml><?xml version="1.0" encoding="utf-8"?>
-<ds:datastoreItem xmlns:ds="http://schemas.openxmlformats.org/officeDocument/2006/customXml" ds:itemID="{53A10211-FBDE-44DA-8AD6-29E596B2975F}">
+<ds:datastoreItem xmlns:ds="http://schemas.openxmlformats.org/officeDocument/2006/customXml" ds:itemID="{D0976319-4513-485C-AD3A-E56C39927A38}">
   <ds:schemaRefs>
-    <ds:schemaRef ds:uri="http://schemas.microsoft.com/sharepoint/v3/contenttype/forms"/>
+    <ds:schemaRef ds:uri="http://schemas.microsoft.com/office/2006/metadata/properties"/>
+    <ds:schemaRef ds:uri="http://schemas.microsoft.com/office/infopath/2007/PartnerControls"/>
+    <ds:schemaRef ds:uri="71af3243-3dd4-4a8d-8c0d-dd76da1f02a5"/>
   </ds:schemaRefs>
 </ds:datastoreItem>
 </file>
 
 <file path=customXml/itemProps2.xml><?xml version="1.0" encoding="utf-8"?>
-<ds:datastoreItem xmlns:ds="http://schemas.openxmlformats.org/officeDocument/2006/customXml" ds:itemID="{D0976319-4513-485C-AD3A-E56C39927A38}">
+<ds:datastoreItem xmlns:ds="http://schemas.openxmlformats.org/officeDocument/2006/customXml" ds:itemID="{53A10211-FBDE-44DA-8AD6-29E596B2975F}">
   <ds:schemaRefs>
-    <ds:schemaRef ds:uri="http://schemas.microsoft.com/office/2006/metadata/properties"/>
-    <ds:schemaRef ds:uri="http://schemas.microsoft.com/office/infopath/2007/PartnerControls"/>
-    <ds:schemaRef ds:uri="71af3243-3dd4-4a8d-8c0d-dd76da1f02a5"/>
+    <ds:schemaRef ds:uri="http://schemas.microsoft.com/sharepoint/v3/contenttype/forms"/>
   </ds:schemaRefs>
 </ds:datastoreItem>
 </file>

--- a/IV2 presentation.pptx
+++ b/IV2 presentation.pptx
@@ -6583,6 +6583,36 @@
           </a:p>
         </p:txBody>
       </p:sp>
+      <p:pic>
+        <p:nvPicPr>
+          <p:cNvPr id="3" name="Picture 2">
+            <a:extLst>
+              <a:ext uri="{FF2B5EF4-FFF2-40B4-BE49-F238E27FC236}">
+                <a16:creationId xmlns:a16="http://schemas.microsoft.com/office/drawing/2014/main" id="{C686CA3A-85D5-4EEB-A70C-84B4677EA92A}"/>
+              </a:ext>
+            </a:extLst>
+          </p:cNvPr>
+          <p:cNvPicPr>
+            <a:picLocks noChangeAspect="1"/>
+          </p:cNvPicPr>
+          <p:nvPr/>
+        </p:nvPicPr>
+        <p:blipFill>
+          <a:blip r:embed="rId2"/>
+          <a:stretch>
+            <a:fillRect/>
+          </a:stretch>
+        </p:blipFill>
+        <p:spPr>
+          <a:xfrm>
+            <a:off x="1504950" y="1506916"/>
+            <a:ext cx="9504218" cy="5071865"/>
+          </a:xfrm>
+          <a:prstGeom prst="rect">
+            <a:avLst/>
+          </a:prstGeom>
+        </p:spPr>
+      </p:pic>
     </p:spTree>
     <p:extLst>
       <p:ext uri="{BB962C8B-B14F-4D97-AF65-F5344CB8AC3E}">
@@ -7978,6 +8008,19 @@
               <a:rPr lang="en-US" dirty="0"/>
               <a:t>Tooltip for Pie Chart</a:t>
             </a:r>
+          </a:p>
+          <a:p>
+            <a:r>
+              <a:rPr lang="en-US" dirty="0"/>
+              <a:t>UI Design</a:t>
+            </a:r>
+          </a:p>
+          <a:p>
+            <a:r>
+              <a:rPr lang="en-US"/>
+              <a:t>Data Manipulation for Pie Chart</a:t>
+            </a:r>
+            <a:endParaRPr lang="en-US" dirty="0"/>
           </a:p>
           <a:p>
             <a:endParaRPr lang="en-SG" dirty="0"/>
@@ -8789,24 +8832,6 @@
 </file>
 
 <file path=customXml/item1.xml><?xml version="1.0" encoding="utf-8"?>
-<p:properties xmlns:p="http://schemas.microsoft.com/office/2006/metadata/properties" xmlns:xsi="http://www.w3.org/2001/XMLSchema-instance" xmlns:pc="http://schemas.microsoft.com/office/infopath/2007/PartnerControls">
-  <documentManagement>
-    <Status xmlns="71af3243-3dd4-4a8d-8c0d-dd76da1f02a5">Not started</Status>
-    <MediaServiceKeyPoints xmlns="71af3243-3dd4-4a8d-8c0d-dd76da1f02a5" xsi:nil="true"/>
-  </documentManagement>
-</p:properties>
-</file>
-
-<file path=customXml/item2.xml><?xml version="1.0" encoding="utf-8"?>
-<?mso-contentType ?>
-<FormTemplates xmlns="http://schemas.microsoft.com/sharepoint/v3/contenttype/forms">
-  <Display>DocumentLibraryForm</Display>
-  <Edit>DocumentLibraryForm</Edit>
-  <New>DocumentLibraryForm</New>
-</FormTemplates>
-</file>
-
-<file path=customXml/item3.xml><?xml version="1.0" encoding="utf-8"?>
 <ct:contentTypeSchema xmlns:ct="http://schemas.microsoft.com/office/2006/metadata/contentType" xmlns:ma="http://schemas.microsoft.com/office/2006/metadata/properties/metaAttributes" ct:_="" ma:_="" ma:contentTypeName="Document" ma:contentTypeID="0x01010079F111ED35F8CC479449609E8A0923A6" ma:contentTypeVersion="12" ma:contentTypeDescription="Create a new document." ma:contentTypeScope="" ma:versionID="426e97fa315356fffbdcd9876fe988c2">
   <xsd:schema xmlns:xsd="http://www.w3.org/2001/XMLSchema" xmlns:xs="http://www.w3.org/2001/XMLSchema" xmlns:p="http://schemas.microsoft.com/office/2006/metadata/properties" xmlns:ns2="71af3243-3dd4-4a8d-8c0d-dd76da1f02a5" xmlns:ns3="16c05727-aa75-4e4a-9b5f-8a80a1165891" targetNamespace="http://schemas.microsoft.com/office/2006/metadata/properties" ma:root="true" ma:fieldsID="14b8f0def80e6d70ce3def20c90759ae" ns2:_="" ns3:_="">
     <xsd:import namespace="71af3243-3dd4-4a8d-8c0d-dd76da1f02a5"/>
@@ -9027,25 +9052,25 @@
 </ct:contentTypeSchema>
 </file>
 
-<file path=customXml/itemProps1.xml><?xml version="1.0" encoding="utf-8"?>
-<ds:datastoreItem xmlns:ds="http://schemas.openxmlformats.org/officeDocument/2006/customXml" ds:itemID="{D0976319-4513-485C-AD3A-E56C39927A38}">
-  <ds:schemaRefs>
-    <ds:schemaRef ds:uri="http://schemas.microsoft.com/office/2006/metadata/properties"/>
-    <ds:schemaRef ds:uri="http://schemas.microsoft.com/office/infopath/2007/PartnerControls"/>
-    <ds:schemaRef ds:uri="71af3243-3dd4-4a8d-8c0d-dd76da1f02a5"/>
-  </ds:schemaRefs>
-</ds:datastoreItem>
+<file path=customXml/item2.xml><?xml version="1.0" encoding="utf-8"?>
+<?mso-contentType ?>
+<FormTemplates xmlns="http://schemas.microsoft.com/sharepoint/v3/contenttype/forms">
+  <Display>DocumentLibraryForm</Display>
+  <Edit>DocumentLibraryForm</Edit>
+  <New>DocumentLibraryForm</New>
+</FormTemplates>
 </file>
 
-<file path=customXml/itemProps2.xml><?xml version="1.0" encoding="utf-8"?>
-<ds:datastoreItem xmlns:ds="http://schemas.openxmlformats.org/officeDocument/2006/customXml" ds:itemID="{53A10211-FBDE-44DA-8AD6-29E596B2975F}">
-  <ds:schemaRefs>
-    <ds:schemaRef ds:uri="http://schemas.microsoft.com/sharepoint/v3/contenttype/forms"/>
-  </ds:schemaRefs>
-</ds:datastoreItem>
+<file path=customXml/item3.xml><?xml version="1.0" encoding="utf-8"?>
+<p:properties xmlns:p="http://schemas.microsoft.com/office/2006/metadata/properties" xmlns:xsi="http://www.w3.org/2001/XMLSchema-instance" xmlns:pc="http://schemas.microsoft.com/office/infopath/2007/PartnerControls">
+  <documentManagement>
+    <Status xmlns="71af3243-3dd4-4a8d-8c0d-dd76da1f02a5">Not started</Status>
+    <MediaServiceKeyPoints xmlns="71af3243-3dd4-4a8d-8c0d-dd76da1f02a5" xsi:nil="true"/>
+  </documentManagement>
+</p:properties>
 </file>
 
-<file path=customXml/itemProps3.xml><?xml version="1.0" encoding="utf-8"?>
+<file path=customXml/itemProps1.xml><?xml version="1.0" encoding="utf-8"?>
 <ds:datastoreItem xmlns:ds="http://schemas.openxmlformats.org/officeDocument/2006/customXml" ds:itemID="{6A1B7BBB-8F46-4BA8-85EC-2ECC1D2E3290}">
   <ds:schemaRefs>
     <ds:schemaRef ds:uri="http://schemas.microsoft.com/office/2006/metadata/contentType"/>
@@ -9062,4 +9087,22 @@
     <ds:schemaRef ds:uri="http://schemas.microsoft.com/internal/obd"/>
   </ds:schemaRefs>
 </ds:datastoreItem>
+</file>
+
+<file path=customXml/itemProps2.xml><?xml version="1.0" encoding="utf-8"?>
+<ds:datastoreItem xmlns:ds="http://schemas.openxmlformats.org/officeDocument/2006/customXml" ds:itemID="{53A10211-FBDE-44DA-8AD6-29E596B2975F}">
+  <ds:schemaRefs>
+    <ds:schemaRef ds:uri="http://schemas.microsoft.com/sharepoint/v3/contenttype/forms"/>
+  </ds:schemaRefs>
+</ds:datastoreItem>
+</file>
+
+<file path=customXml/itemProps3.xml><?xml version="1.0" encoding="utf-8"?>
+<ds:datastoreItem xmlns:ds="http://schemas.openxmlformats.org/officeDocument/2006/customXml" ds:itemID="{D0976319-4513-485C-AD3A-E56C39927A38}">
+  <ds:schemaRefs>
+    <ds:schemaRef ds:uri="http://schemas.microsoft.com/office/2006/metadata/properties"/>
+    <ds:schemaRef ds:uri="http://schemas.microsoft.com/office/infopath/2007/PartnerControls"/>
+    <ds:schemaRef ds:uri="71af3243-3dd4-4a8d-8c0d-dd76da1f02a5"/>
+  </ds:schemaRefs>
+</ds:datastoreItem>
 </file>
--- a/IV2 presentation.pptx
+++ b/IV2 presentation.pptx
@@ -6889,7 +6889,7 @@
           <a:p>
             <a:r>
               <a:rPr lang="en-US" dirty="0"/>
-              <a:t>02</a:t>
+              <a:t>03</a:t>
             </a:r>
           </a:p>
         </p:txBody>
@@ -7227,7 +7227,7 @@
           <a:p>
             <a:r>
               <a:rPr lang="en-US" dirty="0"/>
-              <a:t>03</a:t>
+              <a:t>04</a:t>
             </a:r>
           </a:p>
         </p:txBody>
@@ -8832,6 +8832,24 @@
 </file>
 
 <file path=customXml/item1.xml><?xml version="1.0" encoding="utf-8"?>
+<p:properties xmlns:p="http://schemas.microsoft.com/office/2006/metadata/properties" xmlns:xsi="http://www.w3.org/2001/XMLSchema-instance" xmlns:pc="http://schemas.microsoft.com/office/infopath/2007/PartnerControls">
+  <documentManagement>
+    <Status xmlns="71af3243-3dd4-4a8d-8c0d-dd76da1f02a5">Not started</Status>
+    <MediaServiceKeyPoints xmlns="71af3243-3dd4-4a8d-8c0d-dd76da1f02a5" xsi:nil="true"/>
+  </documentManagement>
+</p:properties>
+</file>
+
+<file path=customXml/item2.xml><?xml version="1.0" encoding="utf-8"?>
+<?mso-contentType ?>
+<FormTemplates xmlns="http://schemas.microsoft.com/sharepoint/v3/contenttype/forms">
+  <Display>DocumentLibraryForm</Display>
+  <Edit>DocumentLibraryForm</Edit>
+  <New>DocumentLibraryForm</New>
+</FormTemplates>
+</file>
+
+<file path=customXml/item3.xml><?xml version="1.0" encoding="utf-8"?>
 <ct:contentTypeSchema xmlns:ct="http://schemas.microsoft.com/office/2006/metadata/contentType" xmlns:ma="http://schemas.microsoft.com/office/2006/metadata/properties/metaAttributes" ct:_="" ma:_="" ma:contentTypeName="Document" ma:contentTypeID="0x01010079F111ED35F8CC479449609E8A0923A6" ma:contentTypeVersion="12" ma:contentTypeDescription="Create a new document." ma:contentTypeScope="" ma:versionID="426e97fa315356fffbdcd9876fe988c2">
   <xsd:schema xmlns:xsd="http://www.w3.org/2001/XMLSchema" xmlns:xs="http://www.w3.org/2001/XMLSchema" xmlns:p="http://schemas.microsoft.com/office/2006/metadata/properties" xmlns:ns2="71af3243-3dd4-4a8d-8c0d-dd76da1f02a5" xmlns:ns3="16c05727-aa75-4e4a-9b5f-8a80a1165891" targetNamespace="http://schemas.microsoft.com/office/2006/metadata/properties" ma:root="true" ma:fieldsID="14b8f0def80e6d70ce3def20c90759ae" ns2:_="" ns3:_="">
     <xsd:import namespace="71af3243-3dd4-4a8d-8c0d-dd76da1f02a5"/>
@@ -9052,25 +9070,25 @@
 </ct:contentTypeSchema>
 </file>
 
-<file path=customXml/item2.xml><?xml version="1.0" encoding="utf-8"?>
-<?mso-contentType ?>
-<FormTemplates xmlns="http://schemas.microsoft.com/sharepoint/v3/contenttype/forms">
-  <Display>DocumentLibraryForm</Display>
-  <Edit>DocumentLibraryForm</Edit>
-  <New>DocumentLibraryForm</New>
-</FormTemplates>
+<file path=customXml/itemProps1.xml><?xml version="1.0" encoding="utf-8"?>
+<ds:datastoreItem xmlns:ds="http://schemas.openxmlformats.org/officeDocument/2006/customXml" ds:itemID="{D0976319-4513-485C-AD3A-E56C39927A38}">
+  <ds:schemaRefs>
+    <ds:schemaRef ds:uri="http://schemas.microsoft.com/office/2006/metadata/properties"/>
+    <ds:schemaRef ds:uri="http://schemas.microsoft.com/office/infopath/2007/PartnerControls"/>
+    <ds:schemaRef ds:uri="71af3243-3dd4-4a8d-8c0d-dd76da1f02a5"/>
+  </ds:schemaRefs>
+</ds:datastoreItem>
 </file>
 
-<file path=customXml/item3.xml><?xml version="1.0" encoding="utf-8"?>
-<p:properties xmlns:p="http://schemas.microsoft.com/office/2006/metadata/properties" xmlns:xsi="http://www.w3.org/2001/XMLSchema-instance" xmlns:pc="http://schemas.microsoft.com/office/infopath/2007/PartnerControls">
-  <documentManagement>
-    <Status xmlns="71af3243-3dd4-4a8d-8c0d-dd76da1f02a5">Not started</Status>
-    <MediaServiceKeyPoints xmlns="71af3243-3dd4-4a8d-8c0d-dd76da1f02a5" xsi:nil="true"/>
-  </documentManagement>
-</p:properties>
+<file path=customXml/itemProps2.xml><?xml version="1.0" encoding="utf-8"?>
+<ds:datastoreItem xmlns:ds="http://schemas.openxmlformats.org/officeDocument/2006/customXml" ds:itemID="{53A10211-FBDE-44DA-8AD6-29E596B2975F}">
+  <ds:schemaRefs>
+    <ds:schemaRef ds:uri="http://schemas.microsoft.com/sharepoint/v3/contenttype/forms"/>
+  </ds:schemaRefs>
+</ds:datastoreItem>
 </file>
 
-<file path=customXml/itemProps1.xml><?xml version="1.0" encoding="utf-8"?>
+<file path=customXml/itemProps3.xml><?xml version="1.0" encoding="utf-8"?>
 <ds:datastoreItem xmlns:ds="http://schemas.openxmlformats.org/officeDocument/2006/customXml" ds:itemID="{6A1B7BBB-8F46-4BA8-85EC-2ECC1D2E3290}">
   <ds:schemaRefs>
     <ds:schemaRef ds:uri="http://schemas.microsoft.com/office/2006/metadata/contentType"/>
@@ -9087,22 +9105,4 @@
     <ds:schemaRef ds:uri="http://schemas.microsoft.com/internal/obd"/>
   </ds:schemaRefs>
 </ds:datastoreItem>
-</file>
-
-<file path=customXml/itemProps2.xml><?xml version="1.0" encoding="utf-8"?>
-<ds:datastoreItem xmlns:ds="http://schemas.openxmlformats.org/officeDocument/2006/customXml" ds:itemID="{53A10211-FBDE-44DA-8AD6-29E596B2975F}">
-  <ds:schemaRefs>
-    <ds:schemaRef ds:uri="http://schemas.microsoft.com/sharepoint/v3/contenttype/forms"/>
-  </ds:schemaRefs>
-</ds:datastoreItem>
-</file>
-
-<file path=customXml/itemProps3.xml><?xml version="1.0" encoding="utf-8"?>
-<ds:datastoreItem xmlns:ds="http://schemas.openxmlformats.org/officeDocument/2006/customXml" ds:itemID="{D0976319-4513-485C-AD3A-E56C39927A38}">
-  <ds:schemaRefs>
-    <ds:schemaRef ds:uri="http://schemas.microsoft.com/office/2006/metadata/properties"/>
-    <ds:schemaRef ds:uri="http://schemas.microsoft.com/office/infopath/2007/PartnerControls"/>
-    <ds:schemaRef ds:uri="71af3243-3dd4-4a8d-8c0d-dd76da1f02a5"/>
-  </ds:schemaRefs>
-</ds:datastoreItem>
 </file>
--- a/IV2 presentation.pptx
+++ b/IV2 presentation.pptx
@@ -7843,8 +7843,13 @@
           <a:p>
             <a:r>
               <a:rPr lang="en-US" dirty="0"/>
-              <a:t>UI Design</a:t>
-            </a:r>
+              <a:t>Data </a:t>
+            </a:r>
+            <a:r>
+              <a:rPr lang="en-US"/>
+              <a:t>Crawling from Site</a:t>
+            </a:r>
+            <a:endParaRPr lang="en-US" dirty="0"/>
           </a:p>
           <a:p>
             <a:r>
@@ -8832,24 +8837,6 @@
 </file>
 
 <file path=customXml/item1.xml><?xml version="1.0" encoding="utf-8"?>
-<p:properties xmlns:p="http://schemas.microsoft.com/office/2006/metadata/properties" xmlns:xsi="http://www.w3.org/2001/XMLSchema-instance" xmlns:pc="http://schemas.microsoft.com/office/infopath/2007/PartnerControls">
-  <documentManagement>
-    <Status xmlns="71af3243-3dd4-4a8d-8c0d-dd76da1f02a5">Not started</Status>
-    <MediaServiceKeyPoints xmlns="71af3243-3dd4-4a8d-8c0d-dd76da1f02a5" xsi:nil="true"/>
-  </documentManagement>
-</p:properties>
-</file>
-
-<file path=customXml/item2.xml><?xml version="1.0" encoding="utf-8"?>
-<?mso-contentType ?>
-<FormTemplates xmlns="http://schemas.microsoft.com/sharepoint/v3/contenttype/forms">
-  <Display>DocumentLibraryForm</Display>
-  <Edit>DocumentLibraryForm</Edit>
-  <New>DocumentLibraryForm</New>
-</FormTemplates>
-</file>
-
-<file path=customXml/item3.xml><?xml version="1.0" encoding="utf-8"?>
 <ct:contentTypeSchema xmlns:ct="http://schemas.microsoft.com/office/2006/metadata/contentType" xmlns:ma="http://schemas.microsoft.com/office/2006/metadata/properties/metaAttributes" ct:_="" ma:_="" ma:contentTypeName="Document" ma:contentTypeID="0x01010079F111ED35F8CC479449609E8A0923A6" ma:contentTypeVersion="12" ma:contentTypeDescription="Create a new document." ma:contentTypeScope="" ma:versionID="426e97fa315356fffbdcd9876fe988c2">
   <xsd:schema xmlns:xsd="http://www.w3.org/2001/XMLSchema" xmlns:xs="http://www.w3.org/2001/XMLSchema" xmlns:p="http://schemas.microsoft.com/office/2006/metadata/properties" xmlns:ns2="71af3243-3dd4-4a8d-8c0d-dd76da1f02a5" xmlns:ns3="16c05727-aa75-4e4a-9b5f-8a80a1165891" targetNamespace="http://schemas.microsoft.com/office/2006/metadata/properties" ma:root="true" ma:fieldsID="14b8f0def80e6d70ce3def20c90759ae" ns2:_="" ns3:_="">
     <xsd:import namespace="71af3243-3dd4-4a8d-8c0d-dd76da1f02a5"/>
@@ -9070,25 +9057,25 @@
 </ct:contentTypeSchema>
 </file>
 
-<file path=customXml/itemProps1.xml><?xml version="1.0" encoding="utf-8"?>
-<ds:datastoreItem xmlns:ds="http://schemas.openxmlformats.org/officeDocument/2006/customXml" ds:itemID="{D0976319-4513-485C-AD3A-E56C39927A38}">
-  <ds:schemaRefs>
-    <ds:schemaRef ds:uri="http://schemas.microsoft.com/office/2006/metadata/properties"/>
-    <ds:schemaRef ds:uri="http://schemas.microsoft.com/office/infopath/2007/PartnerControls"/>
-    <ds:schemaRef ds:uri="71af3243-3dd4-4a8d-8c0d-dd76da1f02a5"/>
-  </ds:schemaRefs>
-</ds:datastoreItem>
+<file path=customXml/item2.xml><?xml version="1.0" encoding="utf-8"?>
+<?mso-contentType ?>
+<FormTemplates xmlns="http://schemas.microsoft.com/sharepoint/v3/contenttype/forms">
+  <Display>DocumentLibraryForm</Display>
+  <Edit>DocumentLibraryForm</Edit>
+  <New>DocumentLibraryForm</New>
+</FormTemplates>
 </file>
 
-<file path=customXml/itemProps2.xml><?xml version="1.0" encoding="utf-8"?>
-<ds:datastoreItem xmlns:ds="http://schemas.openxmlformats.org/officeDocument/2006/customXml" ds:itemID="{53A10211-FBDE-44DA-8AD6-29E596B2975F}">
-  <ds:schemaRefs>
-    <ds:schemaRef ds:uri="http://schemas.microsoft.com/sharepoint/v3/contenttype/forms"/>
-  </ds:schemaRefs>
-</ds:datastoreItem>
+<file path=customXml/item3.xml><?xml version="1.0" encoding="utf-8"?>
+<p:properties xmlns:p="http://schemas.microsoft.com/office/2006/metadata/properties" xmlns:xsi="http://www.w3.org/2001/XMLSchema-instance" xmlns:pc="http://schemas.microsoft.com/office/infopath/2007/PartnerControls">
+  <documentManagement>
+    <Status xmlns="71af3243-3dd4-4a8d-8c0d-dd76da1f02a5">Not started</Status>
+    <MediaServiceKeyPoints xmlns="71af3243-3dd4-4a8d-8c0d-dd76da1f02a5" xsi:nil="true"/>
+  </documentManagement>
+</p:properties>
 </file>
 
-<file path=customXml/itemProps3.xml><?xml version="1.0" encoding="utf-8"?>
+<file path=customXml/itemProps1.xml><?xml version="1.0" encoding="utf-8"?>
 <ds:datastoreItem xmlns:ds="http://schemas.openxmlformats.org/officeDocument/2006/customXml" ds:itemID="{6A1B7BBB-8F46-4BA8-85EC-2ECC1D2E3290}">
   <ds:schemaRefs>
     <ds:schemaRef ds:uri="http://schemas.microsoft.com/office/2006/metadata/contentType"/>
@@ -9105,4 +9092,22 @@
     <ds:schemaRef ds:uri="http://schemas.microsoft.com/internal/obd"/>
   </ds:schemaRefs>
 </ds:datastoreItem>
+</file>
+
+<file path=customXml/itemProps2.xml><?xml version="1.0" encoding="utf-8"?>
+<ds:datastoreItem xmlns:ds="http://schemas.openxmlformats.org/officeDocument/2006/customXml" ds:itemID="{53A10211-FBDE-44DA-8AD6-29E596B2975F}">
+  <ds:schemaRefs>
+    <ds:schemaRef ds:uri="http://schemas.microsoft.com/sharepoint/v3/contenttype/forms"/>
+  </ds:schemaRefs>
+</ds:datastoreItem>
+</file>
+
+<file path=customXml/itemProps3.xml><?xml version="1.0" encoding="utf-8"?>
+<ds:datastoreItem xmlns:ds="http://schemas.openxmlformats.org/officeDocument/2006/customXml" ds:itemID="{D0976319-4513-485C-AD3A-E56C39927A38}">
+  <ds:schemaRefs>
+    <ds:schemaRef ds:uri="http://schemas.microsoft.com/office/2006/metadata/properties"/>
+    <ds:schemaRef ds:uri="http://schemas.microsoft.com/office/infopath/2007/PartnerControls"/>
+    <ds:schemaRef ds:uri="71af3243-3dd4-4a8d-8c0d-dd76da1f02a5"/>
+  </ds:schemaRefs>
+</ds:datastoreItem>
 </file>
--- a/IV2 presentation.pptx
+++ b/IV2 presentation.pptx
@@ -6194,9 +6194,12 @@
           <a:lstStyle/>
           <a:p>
             <a:r>
-              <a:rPr lang="en-US" dirty="0"/>
+              <a:rPr lang="en-US" dirty="0">
+                <a:hlinkClick r:id="rId2"/>
+              </a:rPr>
               <a:t>Demo</a:t>
             </a:r>
+            <a:endParaRPr lang="en-US" dirty="0"/>
           </a:p>
         </p:txBody>
       </p:sp>
@@ -8837,6 +8840,24 @@
 </file>
 
 <file path=customXml/item1.xml><?xml version="1.0" encoding="utf-8"?>
+<p:properties xmlns:p="http://schemas.microsoft.com/office/2006/metadata/properties" xmlns:xsi="http://www.w3.org/2001/XMLSchema-instance" xmlns:pc="http://schemas.microsoft.com/office/infopath/2007/PartnerControls">
+  <documentManagement>
+    <Status xmlns="71af3243-3dd4-4a8d-8c0d-dd76da1f02a5">Not started</Status>
+    <MediaServiceKeyPoints xmlns="71af3243-3dd4-4a8d-8c0d-dd76da1f02a5" xsi:nil="true"/>
+  </documentManagement>
+</p:properties>
+</file>
+
+<file path=customXml/item2.xml><?xml version="1.0" encoding="utf-8"?>
+<?mso-contentType ?>
+<FormTemplates xmlns="http://schemas.microsoft.com/sharepoint/v3/contenttype/forms">
+  <Display>DocumentLibraryForm</Display>
+  <Edit>DocumentLibraryForm</Edit>
+  <New>DocumentLibraryForm</New>
+</FormTemplates>
+</file>
+
+<file path=customXml/item3.xml><?xml version="1.0" encoding="utf-8"?>
 <ct:contentTypeSchema xmlns:ct="http://schemas.microsoft.com/office/2006/metadata/contentType" xmlns:ma="http://schemas.microsoft.com/office/2006/metadata/properties/metaAttributes" ct:_="" ma:_="" ma:contentTypeName="Document" ma:contentTypeID="0x01010079F111ED35F8CC479449609E8A0923A6" ma:contentTypeVersion="12" ma:contentTypeDescription="Create a new document." ma:contentTypeScope="" ma:versionID="426e97fa315356fffbdcd9876fe988c2">
   <xsd:schema xmlns:xsd="http://www.w3.org/2001/XMLSchema" xmlns:xs="http://www.w3.org/2001/XMLSchema" xmlns:p="http://schemas.microsoft.com/office/2006/metadata/properties" xmlns:ns2="71af3243-3dd4-4a8d-8c0d-dd76da1f02a5" xmlns:ns3="16c05727-aa75-4e4a-9b5f-8a80a1165891" targetNamespace="http://schemas.microsoft.com/office/2006/metadata/properties" ma:root="true" ma:fieldsID="14b8f0def80e6d70ce3def20c90759ae" ns2:_="" ns3:_="">
     <xsd:import namespace="71af3243-3dd4-4a8d-8c0d-dd76da1f02a5"/>
@@ -9057,25 +9078,25 @@
 </ct:contentTypeSchema>
 </file>
 
-<file path=customXml/item2.xml><?xml version="1.0" encoding="utf-8"?>
-<?mso-contentType ?>
-<FormTemplates xmlns="http://schemas.microsoft.com/sharepoint/v3/contenttype/forms">
-  <Display>DocumentLibraryForm</Display>
-  <Edit>DocumentLibraryForm</Edit>
-  <New>DocumentLibraryForm</New>
-</FormTemplates>
+<file path=customXml/itemProps1.xml><?xml version="1.0" encoding="utf-8"?>
+<ds:datastoreItem xmlns:ds="http://schemas.openxmlformats.org/officeDocument/2006/customXml" ds:itemID="{D0976319-4513-485C-AD3A-E56C39927A38}">
+  <ds:schemaRefs>
+    <ds:schemaRef ds:uri="http://schemas.microsoft.com/office/2006/metadata/properties"/>
+    <ds:schemaRef ds:uri="http://schemas.microsoft.com/office/infopath/2007/PartnerControls"/>
+    <ds:schemaRef ds:uri="71af3243-3dd4-4a8d-8c0d-dd76da1f02a5"/>
+  </ds:schemaRefs>
+</ds:datastoreItem>
 </file>
 
-<file path=customXml/item3.xml><?xml version="1.0" encoding="utf-8"?>
-<p:properties xmlns:p="http://schemas.microsoft.com/office/2006/metadata/properties" xmlns:xsi="http://www.w3.org/2001/XMLSchema-instance" xmlns:pc="http://schemas.microsoft.com/office/infopath/2007/PartnerControls">
-  <documentManagement>
-    <Status xmlns="71af3243-3dd4-4a8d-8c0d-dd76da1f02a5">Not started</Status>
-    <MediaServiceKeyPoints xmlns="71af3243-3dd4-4a8d-8c0d-dd76da1f02a5" xsi:nil="true"/>
-  </documentManagement>
-</p:properties>
+<file path=customXml/itemProps2.xml><?xml version="1.0" encoding="utf-8"?>
+<ds:datastoreItem xmlns:ds="http://schemas.openxmlformats.org/officeDocument/2006/customXml" ds:itemID="{53A10211-FBDE-44DA-8AD6-29E596B2975F}">
+  <ds:schemaRefs>
+    <ds:schemaRef ds:uri="http://schemas.microsoft.com/sharepoint/v3/contenttype/forms"/>
+  </ds:schemaRefs>
+</ds:datastoreItem>
 </file>
 
-<file path=customXml/itemProps1.xml><?xml version="1.0" encoding="utf-8"?>
+<file path=customXml/itemProps3.xml><?xml version="1.0" encoding="utf-8"?>
 <ds:datastoreItem xmlns:ds="http://schemas.openxmlformats.org/officeDocument/2006/customXml" ds:itemID="{6A1B7BBB-8F46-4BA8-85EC-2ECC1D2E3290}">
   <ds:schemaRefs>
     <ds:schemaRef ds:uri="http://schemas.microsoft.com/office/2006/metadata/contentType"/>
@@ -9092,22 +9113,4 @@
     <ds:schemaRef ds:uri="http://schemas.microsoft.com/internal/obd"/>
   </ds:schemaRefs>
 </ds:datastoreItem>
-</file>
-
-<file path=customXml/itemProps2.xml><?xml version="1.0" encoding="utf-8"?>
-<ds:datastoreItem xmlns:ds="http://schemas.openxmlformats.org/officeDocument/2006/customXml" ds:itemID="{53A10211-FBDE-44DA-8AD6-29E596B2975F}">
-  <ds:schemaRefs>
-    <ds:schemaRef ds:uri="http://schemas.microsoft.com/sharepoint/v3/contenttype/forms"/>
-  </ds:schemaRefs>
-</ds:datastoreItem>
-</file>
-
-<file path=customXml/itemProps3.xml><?xml version="1.0" encoding="utf-8"?>
-<ds:datastoreItem xmlns:ds="http://schemas.openxmlformats.org/officeDocument/2006/customXml" ds:itemID="{D0976319-4513-485C-AD3A-E56C39927A38}">
-  <ds:schemaRefs>
-    <ds:schemaRef ds:uri="http://schemas.microsoft.com/office/2006/metadata/properties"/>
-    <ds:schemaRef ds:uri="http://schemas.microsoft.com/office/infopath/2007/PartnerControls"/>
-    <ds:schemaRef ds:uri="71af3243-3dd4-4a8d-8c0d-dd76da1f02a5"/>
-  </ds:schemaRefs>
-</ds:datastoreItem>
 </file>